--- a/SemProj/Notebooks and Docs/55572Presentation.pptx
+++ b/SemProj/Notebooks and Docs/55572Presentation.pptx
@@ -279,7 +279,7 @@
           <a:p>
             <a:fld id="{84187B06-E166-4BDF-BEDF-83CB4A41861F}" type="datetimeFigureOut">
               <a:rPr lang="en-US" smtClean="0"/>
-              <a:t>4/29/2021</a:t>
+              <a:t>5/11/2021</a:t>
             </a:fld>
             <a:endParaRPr lang="en-US"/>
           </a:p>
@@ -477,7 +477,7 @@
           <a:p>
             <a:fld id="{84187B06-E166-4BDF-BEDF-83CB4A41861F}" type="datetimeFigureOut">
               <a:rPr lang="en-US" smtClean="0"/>
-              <a:t>4/29/2021</a:t>
+              <a:t>5/11/2021</a:t>
             </a:fld>
             <a:endParaRPr lang="en-US"/>
           </a:p>
@@ -685,7 +685,7 @@
           <a:p>
             <a:fld id="{84187B06-E166-4BDF-BEDF-83CB4A41861F}" type="datetimeFigureOut">
               <a:rPr lang="en-US" smtClean="0"/>
-              <a:t>4/29/2021</a:t>
+              <a:t>5/11/2021</a:t>
             </a:fld>
             <a:endParaRPr lang="en-US"/>
           </a:p>
@@ -883,7 +883,7 @@
           <a:p>
             <a:fld id="{84187B06-E166-4BDF-BEDF-83CB4A41861F}" type="datetimeFigureOut">
               <a:rPr lang="en-US" smtClean="0"/>
-              <a:t>4/29/2021</a:t>
+              <a:t>5/11/2021</a:t>
             </a:fld>
             <a:endParaRPr lang="en-US"/>
           </a:p>
@@ -1158,7 +1158,7 @@
           <a:p>
             <a:fld id="{84187B06-E166-4BDF-BEDF-83CB4A41861F}" type="datetimeFigureOut">
               <a:rPr lang="en-US" smtClean="0"/>
-              <a:t>4/29/2021</a:t>
+              <a:t>5/11/2021</a:t>
             </a:fld>
             <a:endParaRPr lang="en-US"/>
           </a:p>
@@ -1423,7 +1423,7 @@
           <a:p>
             <a:fld id="{84187B06-E166-4BDF-BEDF-83CB4A41861F}" type="datetimeFigureOut">
               <a:rPr lang="en-US" smtClean="0"/>
-              <a:t>4/29/2021</a:t>
+              <a:t>5/11/2021</a:t>
             </a:fld>
             <a:endParaRPr lang="en-US"/>
           </a:p>
@@ -1835,7 +1835,7 @@
           <a:p>
             <a:fld id="{84187B06-E166-4BDF-BEDF-83CB4A41861F}" type="datetimeFigureOut">
               <a:rPr lang="en-US" smtClean="0"/>
-              <a:t>4/29/2021</a:t>
+              <a:t>5/11/2021</a:t>
             </a:fld>
             <a:endParaRPr lang="en-US"/>
           </a:p>
@@ -1976,7 +1976,7 @@
           <a:p>
             <a:fld id="{84187B06-E166-4BDF-BEDF-83CB4A41861F}" type="datetimeFigureOut">
               <a:rPr lang="en-US" smtClean="0"/>
-              <a:t>4/29/2021</a:t>
+              <a:t>5/11/2021</a:t>
             </a:fld>
             <a:endParaRPr lang="en-US"/>
           </a:p>
@@ -2089,7 +2089,7 @@
           <a:p>
             <a:fld id="{84187B06-E166-4BDF-BEDF-83CB4A41861F}" type="datetimeFigureOut">
               <a:rPr lang="en-US" smtClean="0"/>
-              <a:t>4/29/2021</a:t>
+              <a:t>5/11/2021</a:t>
             </a:fld>
             <a:endParaRPr lang="en-US"/>
           </a:p>
@@ -2400,7 +2400,7 @@
           <a:p>
             <a:fld id="{84187B06-E166-4BDF-BEDF-83CB4A41861F}" type="datetimeFigureOut">
               <a:rPr lang="en-US" smtClean="0"/>
-              <a:t>4/29/2021</a:t>
+              <a:t>5/11/2021</a:t>
             </a:fld>
             <a:endParaRPr lang="en-US"/>
           </a:p>
@@ -2688,7 +2688,7 @@
           <a:p>
             <a:fld id="{84187B06-E166-4BDF-BEDF-83CB4A41861F}" type="datetimeFigureOut">
               <a:rPr lang="en-US" smtClean="0"/>
-              <a:t>4/29/2021</a:t>
+              <a:t>5/11/2021</a:t>
             </a:fld>
             <a:endParaRPr lang="en-US"/>
           </a:p>
@@ -2959,7 +2959,7 @@
           <a:p>
             <a:fld id="{84187B06-E166-4BDF-BEDF-83CB4A41861F}" type="datetimeFigureOut">
               <a:rPr lang="en-US" smtClean="0"/>
-              <a:t>4/29/2021</a:t>
+              <a:t>5/11/2021</a:t>
             </a:fld>
             <a:endParaRPr lang="en-US"/>
           </a:p>
